--- a/GBaker_Equitable_Data_Viz_UPLOAD.pptx
+++ b/GBaker_Equitable_Data_Viz_UPLOAD.pptx
@@ -213,7 +213,7 @@
           <a:p>
             <a:fld id="{DCBEF934-C5D0-4ECF-915B-55D791C976CF}" type="datetimeFigureOut">
               <a:rPr lang="en-US" smtClean="0"/>
-              <a:t>7/24/2023</a:t>
+              <a:t>7/27/2023</a:t>
             </a:fld>
             <a:endParaRPr lang="en-US"/>
           </a:p>
@@ -6034,13 +6034,13 @@
               </a:ext>
             </a:extLst>
           </a:blip>
-          <a:srcRect l="50271" t="6188" r="6830" b="2761"/>
+          <a:srcRect l="50271" t="11578" r="6830" b="2761"/>
           <a:stretch/>
         </p:blipFill>
         <p:spPr>
           <a:xfrm>
-            <a:off x="458772" y="352130"/>
-            <a:ext cx="5230305" cy="5637229"/>
+            <a:off x="458772" y="665922"/>
+            <a:ext cx="5230305" cy="5303558"/>
           </a:xfrm>
           <a:prstGeom prst="rect">
             <a:avLst/>
@@ -6149,6 +6149,42 @@
               <a:rPr lang="en-US" sz="2400" dirty="0"/>
               <a:t>This can lead to harmful stereotypes</a:t>
             </a:r>
+          </a:p>
+        </p:txBody>
+      </p:sp>
+      <p:sp>
+        <p:nvSpPr>
+          <p:cNvPr id="2" name="TextBox 1">
+            <a:extLst>
+              <a:ext uri="{FF2B5EF4-FFF2-40B4-BE49-F238E27FC236}">
+                <a16:creationId xmlns:a16="http://schemas.microsoft.com/office/drawing/2014/main" id="{770B8676-9610-8A18-DE52-3E30FED95EF6}"/>
+              </a:ext>
+            </a:extLst>
+          </p:cNvPr>
+          <p:cNvSpPr txBox="1"/>
+          <p:nvPr/>
+        </p:nvSpPr>
+        <p:spPr>
+          <a:xfrm>
+            <a:off x="1508276" y="296590"/>
+            <a:ext cx="3451350" cy="369332"/>
+          </a:xfrm>
+          <a:prstGeom prst="rect">
+            <a:avLst/>
+          </a:prstGeom>
+          <a:noFill/>
+        </p:spPr>
+        <p:txBody>
+          <a:bodyPr wrap="square">
+            <a:spAutoFit/>
+          </a:bodyPr>
+          <a:lstStyle/>
+          <a:p>
+            <a:r>
+              <a:rPr lang="en-US" sz="1800" dirty="0"/>
+              <a:t>Average Student Grades per Group</a:t>
+            </a:r>
+            <a:endParaRPr lang="en-US" dirty="0"/>
           </a:p>
         </p:txBody>
       </p:sp>
@@ -6281,13 +6317,13 @@
               </a:ext>
             </a:extLst>
           </a:blip>
-          <a:srcRect l="7371" t="6188" r="49729" b="2761"/>
+          <a:srcRect l="7371" t="11578" r="49729" b="2761"/>
           <a:stretch/>
         </p:blipFill>
         <p:spPr>
           <a:xfrm>
-            <a:off x="6493499" y="352130"/>
-            <a:ext cx="5230305" cy="5637229"/>
+            <a:off x="6493499" y="665922"/>
+            <a:ext cx="5230305" cy="5303559"/>
           </a:xfrm>
           <a:prstGeom prst="rect">
             <a:avLst/>
@@ -6324,6 +6360,42 @@
           </a:prstGeom>
         </p:spPr>
       </p:pic>
+      <p:sp>
+        <p:nvSpPr>
+          <p:cNvPr id="4" name="TextBox 3">
+            <a:extLst>
+              <a:ext uri="{FF2B5EF4-FFF2-40B4-BE49-F238E27FC236}">
+                <a16:creationId xmlns:a16="http://schemas.microsoft.com/office/drawing/2014/main" id="{42A0E231-75D0-56A4-BED5-38DA2A4488B0}"/>
+              </a:ext>
+            </a:extLst>
+          </p:cNvPr>
+          <p:cNvSpPr txBox="1"/>
+          <p:nvPr/>
+        </p:nvSpPr>
+        <p:spPr>
+          <a:xfrm>
+            <a:off x="7501558" y="296590"/>
+            <a:ext cx="3820859" cy="369332"/>
+          </a:xfrm>
+          <a:prstGeom prst="rect">
+            <a:avLst/>
+          </a:prstGeom>
+          <a:noFill/>
+        </p:spPr>
+        <p:txBody>
+          <a:bodyPr wrap="square">
+            <a:spAutoFit/>
+          </a:bodyPr>
+          <a:lstStyle/>
+          <a:p>
+            <a:r>
+              <a:rPr lang="en-US" sz="1800" dirty="0"/>
+              <a:t>Individual Student Grades per Group</a:t>
+            </a:r>
+            <a:endParaRPr lang="en-US" dirty="0"/>
+          </a:p>
+        </p:txBody>
+      </p:sp>
     </p:spTree>
     <p:extLst>
       <p:ext uri="{BB962C8B-B14F-4D97-AF65-F5344CB8AC3E}">
@@ -6824,13 +6896,6 @@
             <a:r>
               <a:rPr lang="en-US" dirty="0"/>
               <a:t>Lifelong learning</a:t>
-            </a:r>
-          </a:p>
-          <a:p>
-            <a:pPr lvl="1"/>
-            <a:r>
-              <a:rPr lang="en-US" dirty="0"/>
-              <a:t>Finding the perfect grilled chicken marinade</a:t>
             </a:r>
           </a:p>
         </p:txBody>
@@ -7270,67 +7335,6 @@
                                           <p:spTgt spid="3">
                                             <p:txEl>
                                               <p:pRg st="5" end="5"/>
-                                            </p:txEl>
-                                          </p:spTgt>
-                                        </p:tgtEl>
-                                      </p:cBhvr>
-                                    </p:animEffect>
-                                  </p:childTnLst>
-                                </p:cTn>
-                              </p:par>
-                            </p:childTnLst>
-                          </p:cTn>
-                        </p:par>
-                      </p:childTnLst>
-                    </p:cTn>
-                  </p:par>
-                  <p:par>
-                    <p:cTn id="33" fill="hold">
-                      <p:stCondLst>
-                        <p:cond delay="indefinite"/>
-                      </p:stCondLst>
-                      <p:childTnLst>
-                        <p:par>
-                          <p:cTn id="34" fill="hold">
-                            <p:stCondLst>
-                              <p:cond delay="0"/>
-                            </p:stCondLst>
-                            <p:childTnLst>
-                              <p:par>
-                                <p:cTn id="35" presetID="10" presetClass="entr" presetSubtype="0" fill="hold" grpId="0" nodeType="clickEffect">
-                                  <p:stCondLst>
-                                    <p:cond delay="0"/>
-                                  </p:stCondLst>
-                                  <p:childTnLst>
-                                    <p:set>
-                                      <p:cBhvr>
-                                        <p:cTn id="36" dur="1" fill="hold">
-                                          <p:stCondLst>
-                                            <p:cond delay="0"/>
-                                          </p:stCondLst>
-                                        </p:cTn>
-                                        <p:tgtEl>
-                                          <p:spTgt spid="3">
-                                            <p:txEl>
-                                              <p:pRg st="6" end="6"/>
-                                            </p:txEl>
-                                          </p:spTgt>
-                                        </p:tgtEl>
-                                        <p:attrNameLst>
-                                          <p:attrName>style.visibility</p:attrName>
-                                        </p:attrNameLst>
-                                      </p:cBhvr>
-                                      <p:to>
-                                        <p:strVal val="visible"/>
-                                      </p:to>
-                                    </p:set>
-                                    <p:animEffect transition="in" filter="fade">
-                                      <p:cBhvr>
-                                        <p:cTn id="37" dur="500"/>
-                                        <p:tgtEl>
-                                          <p:spTgt spid="3">
-                                            <p:txEl>
-                                              <p:pRg st="6" end="6"/>
                                             </p:txEl>
                                           </p:spTgt>
                                         </p:tgtEl>
@@ -10014,67 +10018,6 @@
 </file>
 
 <file path=customXml/item1.xml><?xml version="1.0" encoding="utf-8"?>
-<p:properties xmlns:p="http://schemas.microsoft.com/office/2006/metadata/properties" xmlns:xsi="http://www.w3.org/2001/XMLSchema-instance" xmlns:pc="http://schemas.microsoft.com/office/infopath/2007/PartnerControls">
-  <documentManagement>
-    <AppVersion xmlns="3512e15b-87ae-4a53-9243-959a2a020a94" xsi:nil="true"/>
-    <Invited_Members xmlns="3512e15b-87ae-4a53-9243-959a2a020a94" xsi:nil="true"/>
-    <Members xmlns="3512e15b-87ae-4a53-9243-959a2a020a94">
-      <UserInfo>
-        <DisplayName/>
-        <AccountId xsi:nil="true"/>
-        <AccountType/>
-      </UserInfo>
-    </Members>
-    <Owner xmlns="3512e15b-87ae-4a53-9243-959a2a020a94">
-      <UserInfo>
-        <DisplayName/>
-        <AccountId xsi:nil="true"/>
-        <AccountType/>
-      </UserInfo>
-    </Owner>
-    <Teams_Channel_Section_Location xmlns="3512e15b-87ae-4a53-9243-959a2a020a94" xsi:nil="true"/>
-    <TeamsChannelId xmlns="3512e15b-87ae-4a53-9243-959a2a020a94" xsi:nil="true"/>
-    <DefaultSectionNames xmlns="3512e15b-87ae-4a53-9243-959a2a020a94" xsi:nil="true"/>
-    <Self_Registration_Enabled xmlns="3512e15b-87ae-4a53-9243-959a2a020a94" xsi:nil="true"/>
-    <FolderType xmlns="3512e15b-87ae-4a53-9243-959a2a020a94" xsi:nil="true"/>
-    <CultureName xmlns="3512e15b-87ae-4a53-9243-959a2a020a94" xsi:nil="true"/>
-    <Invited_Leaders xmlns="3512e15b-87ae-4a53-9243-959a2a020a94" xsi:nil="true"/>
-    <Is_Collaboration_Space_Locked xmlns="3512e15b-87ae-4a53-9243-959a2a020a94" xsi:nil="true"/>
-    <Templates xmlns="3512e15b-87ae-4a53-9243-959a2a020a94" xsi:nil="true"/>
-    <Has_Leaders_Only_SectionGroup xmlns="3512e15b-87ae-4a53-9243-959a2a020a94" xsi:nil="true"/>
-    <Leaders xmlns="3512e15b-87ae-4a53-9243-959a2a020a94">
-      <UserInfo>
-        <DisplayName/>
-        <AccountId xsi:nil="true"/>
-        <AccountType/>
-      </UserInfo>
-    </Leaders>
-    <LMS_Mappings xmlns="3512e15b-87ae-4a53-9243-959a2a020a94" xsi:nil="true"/>
-    <IsNotebookLocked xmlns="3512e15b-87ae-4a53-9243-959a2a020a94" xsi:nil="true"/>
-    <Math_Settings xmlns="3512e15b-87ae-4a53-9243-959a2a020a94" xsi:nil="true"/>
-    <Member_Groups xmlns="3512e15b-87ae-4a53-9243-959a2a020a94">
-      <UserInfo>
-        <DisplayName/>
-        <AccountId xsi:nil="true"/>
-        <AccountType/>
-      </UserInfo>
-    </Member_Groups>
-    <NotebookType xmlns="3512e15b-87ae-4a53-9243-959a2a020a94" xsi:nil="true"/>
-    <Distribution_Groups xmlns="3512e15b-87ae-4a53-9243-959a2a020a94" xsi:nil="true"/>
-  </documentManagement>
-</p:properties>
-</file>
-
-<file path=customXml/item2.xml><?xml version="1.0" encoding="utf-8"?>
-<?mso-contentType ?>
-<FormTemplates xmlns="http://schemas.microsoft.com/sharepoint/v3/contenttype/forms">
-  <Display>DocumentLibraryForm</Display>
-  <Edit>DocumentLibraryForm</Edit>
-  <New>DocumentLibraryForm</New>
-</FormTemplates>
-</file>
-
-<file path=customXml/item3.xml><?xml version="1.0" encoding="utf-8"?>
 <ct:contentTypeSchema xmlns:ct="http://schemas.microsoft.com/office/2006/metadata/contentType" xmlns:ma="http://schemas.microsoft.com/office/2006/metadata/properties/metaAttributes" ct:_="" ma:_="" ma:contentTypeName="Document" ma:contentTypeID="0x010100EBD1DD32686CE24489424A9170307366" ma:contentTypeVersion="37" ma:contentTypeDescription="Create a new document." ma:contentTypeScope="" ma:versionID="36d8a527b9368eb1f6e7ae6058ebe689">
   <xsd:schema xmlns:xsd="http://www.w3.org/2001/XMLSchema" xmlns:xs="http://www.w3.org/2001/XMLSchema" xmlns:p="http://schemas.microsoft.com/office/2006/metadata/properties" xmlns:ns3="81e6d9a0-d199-4fc7-a2c1-6ec51debf725" xmlns:ns4="3512e15b-87ae-4a53-9243-959a2a020a94" targetNamespace="http://schemas.microsoft.com/office/2006/metadata/properties" ma:root="true" ma:fieldsID="74bc34d6dfa66bf4cc44167c08d46058" ns3:_="" ns4:_="">
     <xsd:import namespace="81e6d9a0-d199-4fc7-a2c1-6ec51debf725"/>
@@ -10511,32 +10454,68 @@
 </ct:contentTypeSchema>
 </file>
 
-<file path=customXml/itemProps1.xml><?xml version="1.0" encoding="utf-8"?>
-<ds:datastoreItem xmlns:ds="http://schemas.openxmlformats.org/officeDocument/2006/customXml" ds:itemID="{E876A9A7-88C6-4632-A714-F0CACFC1F168}">
-  <ds:schemaRefs>
-    <ds:schemaRef ds:uri="http://schemas.openxmlformats.org/package/2006/metadata/core-properties"/>
-    <ds:schemaRef ds:uri="http://purl.org/dc/dcmitype/"/>
-    <ds:schemaRef ds:uri="http://purl.org/dc/elements/1.1/"/>
-    <ds:schemaRef ds:uri="81e6d9a0-d199-4fc7-a2c1-6ec51debf725"/>
-    <ds:schemaRef ds:uri="http://purl.org/dc/terms/"/>
-    <ds:schemaRef ds:uri="3512e15b-87ae-4a53-9243-959a2a020a94"/>
-    <ds:schemaRef ds:uri="http://schemas.microsoft.com/office/2006/documentManagement/types"/>
-    <ds:schemaRef ds:uri="http://schemas.microsoft.com/office/infopath/2007/PartnerControls"/>
-    <ds:schemaRef ds:uri="http://schemas.microsoft.com/office/2006/metadata/properties"/>
-    <ds:schemaRef ds:uri="http://www.w3.org/XML/1998/namespace"/>
-  </ds:schemaRefs>
-</ds:datastoreItem>
+<file path=customXml/item2.xml><?xml version="1.0" encoding="utf-8"?>
+<p:properties xmlns:p="http://schemas.microsoft.com/office/2006/metadata/properties" xmlns:xsi="http://www.w3.org/2001/XMLSchema-instance" xmlns:pc="http://schemas.microsoft.com/office/infopath/2007/PartnerControls">
+  <documentManagement>
+    <AppVersion xmlns="3512e15b-87ae-4a53-9243-959a2a020a94" xsi:nil="true"/>
+    <Invited_Members xmlns="3512e15b-87ae-4a53-9243-959a2a020a94" xsi:nil="true"/>
+    <Members xmlns="3512e15b-87ae-4a53-9243-959a2a020a94">
+      <UserInfo>
+        <DisplayName/>
+        <AccountId xsi:nil="true"/>
+        <AccountType/>
+      </UserInfo>
+    </Members>
+    <Owner xmlns="3512e15b-87ae-4a53-9243-959a2a020a94">
+      <UserInfo>
+        <DisplayName/>
+        <AccountId xsi:nil="true"/>
+        <AccountType/>
+      </UserInfo>
+    </Owner>
+    <Teams_Channel_Section_Location xmlns="3512e15b-87ae-4a53-9243-959a2a020a94" xsi:nil="true"/>
+    <TeamsChannelId xmlns="3512e15b-87ae-4a53-9243-959a2a020a94" xsi:nil="true"/>
+    <DefaultSectionNames xmlns="3512e15b-87ae-4a53-9243-959a2a020a94" xsi:nil="true"/>
+    <Self_Registration_Enabled xmlns="3512e15b-87ae-4a53-9243-959a2a020a94" xsi:nil="true"/>
+    <FolderType xmlns="3512e15b-87ae-4a53-9243-959a2a020a94" xsi:nil="true"/>
+    <CultureName xmlns="3512e15b-87ae-4a53-9243-959a2a020a94" xsi:nil="true"/>
+    <Invited_Leaders xmlns="3512e15b-87ae-4a53-9243-959a2a020a94" xsi:nil="true"/>
+    <Is_Collaboration_Space_Locked xmlns="3512e15b-87ae-4a53-9243-959a2a020a94" xsi:nil="true"/>
+    <Templates xmlns="3512e15b-87ae-4a53-9243-959a2a020a94" xsi:nil="true"/>
+    <Has_Leaders_Only_SectionGroup xmlns="3512e15b-87ae-4a53-9243-959a2a020a94" xsi:nil="true"/>
+    <Leaders xmlns="3512e15b-87ae-4a53-9243-959a2a020a94">
+      <UserInfo>
+        <DisplayName/>
+        <AccountId xsi:nil="true"/>
+        <AccountType/>
+      </UserInfo>
+    </Leaders>
+    <LMS_Mappings xmlns="3512e15b-87ae-4a53-9243-959a2a020a94" xsi:nil="true"/>
+    <IsNotebookLocked xmlns="3512e15b-87ae-4a53-9243-959a2a020a94" xsi:nil="true"/>
+    <Math_Settings xmlns="3512e15b-87ae-4a53-9243-959a2a020a94" xsi:nil="true"/>
+    <Member_Groups xmlns="3512e15b-87ae-4a53-9243-959a2a020a94">
+      <UserInfo>
+        <DisplayName/>
+        <AccountId xsi:nil="true"/>
+        <AccountType/>
+      </UserInfo>
+    </Member_Groups>
+    <NotebookType xmlns="3512e15b-87ae-4a53-9243-959a2a020a94" xsi:nil="true"/>
+    <Distribution_Groups xmlns="3512e15b-87ae-4a53-9243-959a2a020a94" xsi:nil="true"/>
+  </documentManagement>
+</p:properties>
 </file>
 
-<file path=customXml/itemProps2.xml><?xml version="1.0" encoding="utf-8"?>
-<ds:datastoreItem xmlns:ds="http://schemas.openxmlformats.org/officeDocument/2006/customXml" ds:itemID="{BA283195-0779-43CE-B82E-A938CEBA7DA7}">
-  <ds:schemaRefs>
-    <ds:schemaRef ds:uri="http://schemas.microsoft.com/sharepoint/v3/contenttype/forms"/>
-  </ds:schemaRefs>
-</ds:datastoreItem>
+<file path=customXml/item3.xml><?xml version="1.0" encoding="utf-8"?>
+<?mso-contentType ?>
+<FormTemplates xmlns="http://schemas.microsoft.com/sharepoint/v3/contenttype/forms">
+  <Display>DocumentLibraryForm</Display>
+  <Edit>DocumentLibraryForm</Edit>
+  <New>DocumentLibraryForm</New>
+</FormTemplates>
 </file>
 
-<file path=customXml/itemProps3.xml><?xml version="1.0" encoding="utf-8"?>
+<file path=customXml/itemProps1.xml><?xml version="1.0" encoding="utf-8"?>
 <ds:datastoreItem xmlns:ds="http://schemas.openxmlformats.org/officeDocument/2006/customXml" ds:itemID="{D1084671-47FF-44BA-AE03-9ED326113322}">
   <ds:schemaRefs>
     <ds:schemaRef ds:uri="http://schemas.microsoft.com/office/2006/metadata/contentType"/>
@@ -10553,4 +10532,29 @@
     <ds:schemaRef ds:uri="http://schemas.microsoft.com/internal/obd"/>
   </ds:schemaRefs>
 </ds:datastoreItem>
+</file>
+
+<file path=customXml/itemProps2.xml><?xml version="1.0" encoding="utf-8"?>
+<ds:datastoreItem xmlns:ds="http://schemas.openxmlformats.org/officeDocument/2006/customXml" ds:itemID="{E876A9A7-88C6-4632-A714-F0CACFC1F168}">
+  <ds:schemaRefs>
+    <ds:schemaRef ds:uri="http://schemas.microsoft.com/office/2006/documentManagement/types"/>
+    <ds:schemaRef ds:uri="http://purl.org/dc/elements/1.1/"/>
+    <ds:schemaRef ds:uri="http://purl.org/dc/terms/"/>
+    <ds:schemaRef ds:uri="http://purl.org/dc/dcmitype/"/>
+    <ds:schemaRef ds:uri="http://schemas.microsoft.com/office/2006/metadata/properties"/>
+    <ds:schemaRef ds:uri="http://schemas.openxmlformats.org/package/2006/metadata/core-properties"/>
+    <ds:schemaRef ds:uri="http://www.w3.org/XML/1998/namespace"/>
+    <ds:schemaRef ds:uri="http://schemas.microsoft.com/office/infopath/2007/PartnerControls"/>
+    <ds:schemaRef ds:uri="3512e15b-87ae-4a53-9243-959a2a020a94"/>
+    <ds:schemaRef ds:uri="81e6d9a0-d199-4fc7-a2c1-6ec51debf725"/>
+  </ds:schemaRefs>
+</ds:datastoreItem>
+</file>
+
+<file path=customXml/itemProps3.xml><?xml version="1.0" encoding="utf-8"?>
+<ds:datastoreItem xmlns:ds="http://schemas.openxmlformats.org/officeDocument/2006/customXml" ds:itemID="{BA283195-0779-43CE-B82E-A938CEBA7DA7}">
+  <ds:schemaRefs>
+    <ds:schemaRef ds:uri="http://schemas.microsoft.com/sharepoint/v3/contenttype/forms"/>
+  </ds:schemaRefs>
+</ds:datastoreItem>
 </file>